--- a/ppt/04智能家居应用-人脸识别门禁系统.pptx
+++ b/ppt/04智能家居应用-人脸识别门禁系统.pptx
@@ -9140,7 +9140,7 @@
             </a:pPr>
             <a:r>
               <a:rPr lang="zh-CN" altLang="en-US" sz="2800" dirty="0"/>
-              <a:t>https://help.aliyun.com/document_detail/167897.html</a:t>
+              <a:t>https://help.aliyun.com/document_detail/159141.html</a:t>
             </a:r>
             <a:endParaRPr lang="zh-CN" altLang="en-US" sz="2800" dirty="0"/>
           </a:p>
